--- a/ppt 16-9/0932.非常的岁月里.pptx
+++ b/ppt 16-9/0932.非常的岁月里.pptx
@@ -129,7 +129,7 @@
           <p:cNvPr id="2" name="标题 1">
             <a:extLst>
               <a:ext uri="{FF2B5EF4-FFF2-40B4-BE49-F238E27FC236}">
-                <a16:creationId xmlns:a16="http://schemas.microsoft.com/office/drawing/2014/main" id="{2F5B736C-4059-BCE7-C0B2-FB690F9C7B56}"/>
+                <a16:creationId xmlns:a16="http://schemas.microsoft.com/office/drawing/2014/main" id="{730CA3CE-A53F-0BA8-6EAA-8E7A29809BBC}"/>
               </a:ext>
             </a:extLst>
           </p:cNvPr>
@@ -166,7 +166,7 @@
           <p:cNvPr id="3" name="副标题 2">
             <a:extLst>
               <a:ext uri="{FF2B5EF4-FFF2-40B4-BE49-F238E27FC236}">
-                <a16:creationId xmlns:a16="http://schemas.microsoft.com/office/drawing/2014/main" id="{3ACFBB63-7FD7-B6F8-A56D-47AE1053FA46}"/>
+                <a16:creationId xmlns:a16="http://schemas.microsoft.com/office/drawing/2014/main" id="{2A4BE892-ECBE-CCE0-1107-76F6764018AA}"/>
               </a:ext>
             </a:extLst>
           </p:cNvPr>
@@ -236,7 +236,7 @@
           <p:cNvPr id="4" name="日期占位符 3">
             <a:extLst>
               <a:ext uri="{FF2B5EF4-FFF2-40B4-BE49-F238E27FC236}">
-                <a16:creationId xmlns:a16="http://schemas.microsoft.com/office/drawing/2014/main" id="{07D39485-E203-1BF8-47FF-0081D3F415CA}"/>
+                <a16:creationId xmlns:a16="http://schemas.microsoft.com/office/drawing/2014/main" id="{2AFB6BAB-0D0C-FB70-5B6C-FC530375DD8C}"/>
               </a:ext>
             </a:extLst>
           </p:cNvPr>
@@ -252,7 +252,7 @@
           <a:bodyPr/>
           <a:lstStyle/>
           <a:p>
-            <a:fld id="{FD926248-0360-4A98-8F41-F135EC6B0981}" type="datetimeFigureOut">
+            <a:fld id="{412E82DD-57D6-448B-A177-2BDB33D61D9D}" type="datetimeFigureOut">
               <a:rPr lang="zh-CN" altLang="en-US" smtClean="0"/>
               <a:t>2024/3/10</a:t>
             </a:fld>
@@ -265,7 +265,7 @@
           <p:cNvPr id="5" name="页脚占位符 4">
             <a:extLst>
               <a:ext uri="{FF2B5EF4-FFF2-40B4-BE49-F238E27FC236}">
-                <a16:creationId xmlns:a16="http://schemas.microsoft.com/office/drawing/2014/main" id="{310D06D6-8AC2-3B2E-034B-132D1B94ED89}"/>
+                <a16:creationId xmlns:a16="http://schemas.microsoft.com/office/drawing/2014/main" id="{950ED31B-B508-CF4A-17FF-6143BB67F634}"/>
               </a:ext>
             </a:extLst>
           </p:cNvPr>
@@ -290,7 +290,7 @@
           <p:cNvPr id="6" name="灯片编号占位符 5">
             <a:extLst>
               <a:ext uri="{FF2B5EF4-FFF2-40B4-BE49-F238E27FC236}">
-                <a16:creationId xmlns:a16="http://schemas.microsoft.com/office/drawing/2014/main" id="{97B8EFAF-B3F1-9CAB-939B-E84EAD441CA4}"/>
+                <a16:creationId xmlns:a16="http://schemas.microsoft.com/office/drawing/2014/main" id="{7FEE5E76-9929-939A-0C86-4EFF69F1A78A}"/>
               </a:ext>
             </a:extLst>
           </p:cNvPr>
@@ -306,7 +306,7 @@
           <a:bodyPr/>
           <a:lstStyle/>
           <a:p>
-            <a:fld id="{D3FD2C8C-ED3E-4F85-92F6-54EDA04D4A29}" type="slidenum">
+            <a:fld id="{67A3AA0E-8722-4F8C-BE55-746A5AE005C3}" type="slidenum">
               <a:rPr lang="zh-CN" altLang="en-US" smtClean="0"/>
               <a:t>‹#›</a:t>
             </a:fld>
@@ -317,7 +317,7 @@
     </p:spTree>
     <p:extLst>
       <p:ext uri="{BB962C8B-B14F-4D97-AF65-F5344CB8AC3E}">
-        <p14:creationId xmlns:p14="http://schemas.microsoft.com/office/powerpoint/2010/main" val="85044910"/>
+        <p14:creationId xmlns:p14="http://schemas.microsoft.com/office/powerpoint/2010/main" val="2353492665"/>
       </p:ext>
     </p:extLst>
   </p:cSld>
@@ -349,7 +349,7 @@
           <p:cNvPr id="2" name="标题 1">
             <a:extLst>
               <a:ext uri="{FF2B5EF4-FFF2-40B4-BE49-F238E27FC236}">
-                <a16:creationId xmlns:a16="http://schemas.microsoft.com/office/drawing/2014/main" id="{699ABB23-44D5-D4E4-2B46-F59F62370DA4}"/>
+                <a16:creationId xmlns:a16="http://schemas.microsoft.com/office/drawing/2014/main" id="{BF664739-FA5A-FC19-9D99-C58C530D9F21}"/>
               </a:ext>
             </a:extLst>
           </p:cNvPr>
@@ -377,7 +377,7 @@
           <p:cNvPr id="3" name="竖排文字占位符 2">
             <a:extLst>
               <a:ext uri="{FF2B5EF4-FFF2-40B4-BE49-F238E27FC236}">
-                <a16:creationId xmlns:a16="http://schemas.microsoft.com/office/drawing/2014/main" id="{9998D356-0DA7-06B3-94F6-FF8043742FB1}"/>
+                <a16:creationId xmlns:a16="http://schemas.microsoft.com/office/drawing/2014/main" id="{8CB317CE-0FD1-EBF3-580A-1D85072A924B}"/>
               </a:ext>
             </a:extLst>
           </p:cNvPr>
@@ -434,7 +434,7 @@
           <p:cNvPr id="4" name="日期占位符 3">
             <a:extLst>
               <a:ext uri="{FF2B5EF4-FFF2-40B4-BE49-F238E27FC236}">
-                <a16:creationId xmlns:a16="http://schemas.microsoft.com/office/drawing/2014/main" id="{87CE1F16-AC0E-BC2F-E496-807D2A2379B5}"/>
+                <a16:creationId xmlns:a16="http://schemas.microsoft.com/office/drawing/2014/main" id="{632A32BB-9550-7628-02E2-F3F19202A2F0}"/>
               </a:ext>
             </a:extLst>
           </p:cNvPr>
@@ -450,7 +450,7 @@
           <a:bodyPr/>
           <a:lstStyle/>
           <a:p>
-            <a:fld id="{FD926248-0360-4A98-8F41-F135EC6B0981}" type="datetimeFigureOut">
+            <a:fld id="{412E82DD-57D6-448B-A177-2BDB33D61D9D}" type="datetimeFigureOut">
               <a:rPr lang="zh-CN" altLang="en-US" smtClean="0"/>
               <a:t>2024/3/10</a:t>
             </a:fld>
@@ -463,7 +463,7 @@
           <p:cNvPr id="5" name="页脚占位符 4">
             <a:extLst>
               <a:ext uri="{FF2B5EF4-FFF2-40B4-BE49-F238E27FC236}">
-                <a16:creationId xmlns:a16="http://schemas.microsoft.com/office/drawing/2014/main" id="{0EEB29DC-CE43-D8CC-F424-65DD627277BD}"/>
+                <a16:creationId xmlns:a16="http://schemas.microsoft.com/office/drawing/2014/main" id="{1589A72B-3FE4-EB60-6CAC-D5C36AFE5ABA}"/>
               </a:ext>
             </a:extLst>
           </p:cNvPr>
@@ -488,7 +488,7 @@
           <p:cNvPr id="6" name="灯片编号占位符 5">
             <a:extLst>
               <a:ext uri="{FF2B5EF4-FFF2-40B4-BE49-F238E27FC236}">
-                <a16:creationId xmlns:a16="http://schemas.microsoft.com/office/drawing/2014/main" id="{0752028C-D178-4E8E-C9A2-48EC79DD2461}"/>
+                <a16:creationId xmlns:a16="http://schemas.microsoft.com/office/drawing/2014/main" id="{3A1C20FD-D4B6-9F70-1326-E26CCACC0F31}"/>
               </a:ext>
             </a:extLst>
           </p:cNvPr>
@@ -504,7 +504,7 @@
           <a:bodyPr/>
           <a:lstStyle/>
           <a:p>
-            <a:fld id="{D3FD2C8C-ED3E-4F85-92F6-54EDA04D4A29}" type="slidenum">
+            <a:fld id="{67A3AA0E-8722-4F8C-BE55-746A5AE005C3}" type="slidenum">
               <a:rPr lang="zh-CN" altLang="en-US" smtClean="0"/>
               <a:t>‹#›</a:t>
             </a:fld>
@@ -515,7 +515,7 @@
     </p:spTree>
     <p:extLst>
       <p:ext uri="{BB962C8B-B14F-4D97-AF65-F5344CB8AC3E}">
-        <p14:creationId xmlns:p14="http://schemas.microsoft.com/office/powerpoint/2010/main" val="769529388"/>
+        <p14:creationId xmlns:p14="http://schemas.microsoft.com/office/powerpoint/2010/main" val="3941252339"/>
       </p:ext>
     </p:extLst>
   </p:cSld>
@@ -547,7 +547,7 @@
           <p:cNvPr id="2" name="竖排标题 1">
             <a:extLst>
               <a:ext uri="{FF2B5EF4-FFF2-40B4-BE49-F238E27FC236}">
-                <a16:creationId xmlns:a16="http://schemas.microsoft.com/office/drawing/2014/main" id="{41DEFEEA-7952-1A20-5668-AC5A7C7C12B3}"/>
+                <a16:creationId xmlns:a16="http://schemas.microsoft.com/office/drawing/2014/main" id="{CF2ECD22-5492-85C3-971A-8AB60E3071B7}"/>
               </a:ext>
             </a:extLst>
           </p:cNvPr>
@@ -580,7 +580,7 @@
           <p:cNvPr id="3" name="竖排文字占位符 2">
             <a:extLst>
               <a:ext uri="{FF2B5EF4-FFF2-40B4-BE49-F238E27FC236}">
-                <a16:creationId xmlns:a16="http://schemas.microsoft.com/office/drawing/2014/main" id="{1D3A209E-D584-A55F-BCEB-65EACE5A570C}"/>
+                <a16:creationId xmlns:a16="http://schemas.microsoft.com/office/drawing/2014/main" id="{2F6B4A3D-FC58-05D3-3CEB-0B8BDBF558CD}"/>
               </a:ext>
             </a:extLst>
           </p:cNvPr>
@@ -642,7 +642,7 @@
           <p:cNvPr id="4" name="日期占位符 3">
             <a:extLst>
               <a:ext uri="{FF2B5EF4-FFF2-40B4-BE49-F238E27FC236}">
-                <a16:creationId xmlns:a16="http://schemas.microsoft.com/office/drawing/2014/main" id="{A0B3F583-E6D3-19B3-80E6-F9508BE4B164}"/>
+                <a16:creationId xmlns:a16="http://schemas.microsoft.com/office/drawing/2014/main" id="{E701A5CC-AD67-A221-D609-75A4C4F5B262}"/>
               </a:ext>
             </a:extLst>
           </p:cNvPr>
@@ -658,7 +658,7 @@
           <a:bodyPr/>
           <a:lstStyle/>
           <a:p>
-            <a:fld id="{FD926248-0360-4A98-8F41-F135EC6B0981}" type="datetimeFigureOut">
+            <a:fld id="{412E82DD-57D6-448B-A177-2BDB33D61D9D}" type="datetimeFigureOut">
               <a:rPr lang="zh-CN" altLang="en-US" smtClean="0"/>
               <a:t>2024/3/10</a:t>
             </a:fld>
@@ -671,7 +671,7 @@
           <p:cNvPr id="5" name="页脚占位符 4">
             <a:extLst>
               <a:ext uri="{FF2B5EF4-FFF2-40B4-BE49-F238E27FC236}">
-                <a16:creationId xmlns:a16="http://schemas.microsoft.com/office/drawing/2014/main" id="{C681A049-B282-7518-3FC9-567908EEA76A}"/>
+                <a16:creationId xmlns:a16="http://schemas.microsoft.com/office/drawing/2014/main" id="{6E15EB1D-CA52-8C87-0135-48527DC25B4C}"/>
               </a:ext>
             </a:extLst>
           </p:cNvPr>
@@ -696,7 +696,7 @@
           <p:cNvPr id="6" name="灯片编号占位符 5">
             <a:extLst>
               <a:ext uri="{FF2B5EF4-FFF2-40B4-BE49-F238E27FC236}">
-                <a16:creationId xmlns:a16="http://schemas.microsoft.com/office/drawing/2014/main" id="{EAD39546-F7AC-A064-FCE4-3BFE9A92CD17}"/>
+                <a16:creationId xmlns:a16="http://schemas.microsoft.com/office/drawing/2014/main" id="{265348E7-8455-4342-6A1A-7CA7E3D05D2E}"/>
               </a:ext>
             </a:extLst>
           </p:cNvPr>
@@ -712,7 +712,7 @@
           <a:bodyPr/>
           <a:lstStyle/>
           <a:p>
-            <a:fld id="{D3FD2C8C-ED3E-4F85-92F6-54EDA04D4A29}" type="slidenum">
+            <a:fld id="{67A3AA0E-8722-4F8C-BE55-746A5AE005C3}" type="slidenum">
               <a:rPr lang="zh-CN" altLang="en-US" smtClean="0"/>
               <a:t>‹#›</a:t>
             </a:fld>
@@ -723,7 +723,7 @@
     </p:spTree>
     <p:extLst>
       <p:ext uri="{BB962C8B-B14F-4D97-AF65-F5344CB8AC3E}">
-        <p14:creationId xmlns:p14="http://schemas.microsoft.com/office/powerpoint/2010/main" val="1827846871"/>
+        <p14:creationId xmlns:p14="http://schemas.microsoft.com/office/powerpoint/2010/main" val="365998986"/>
       </p:ext>
     </p:extLst>
   </p:cSld>
@@ -755,7 +755,7 @@
           <p:cNvPr id="2" name="标题 1">
             <a:extLst>
               <a:ext uri="{FF2B5EF4-FFF2-40B4-BE49-F238E27FC236}">
-                <a16:creationId xmlns:a16="http://schemas.microsoft.com/office/drawing/2014/main" id="{7B908489-5524-0BD2-554F-55E903A05EC8}"/>
+                <a16:creationId xmlns:a16="http://schemas.microsoft.com/office/drawing/2014/main" id="{C060DF4F-D54C-322B-AE3E-12A26A034879}"/>
               </a:ext>
             </a:extLst>
           </p:cNvPr>
@@ -783,7 +783,7 @@
           <p:cNvPr id="3" name="内容占位符 2">
             <a:extLst>
               <a:ext uri="{FF2B5EF4-FFF2-40B4-BE49-F238E27FC236}">
-                <a16:creationId xmlns:a16="http://schemas.microsoft.com/office/drawing/2014/main" id="{5456D4AA-B367-50C8-1579-1231702FC3B4}"/>
+                <a16:creationId xmlns:a16="http://schemas.microsoft.com/office/drawing/2014/main" id="{2693B8EA-65AB-AC9A-703E-74C1D667BDFC}"/>
               </a:ext>
             </a:extLst>
           </p:cNvPr>
@@ -840,7 +840,7 @@
           <p:cNvPr id="4" name="日期占位符 3">
             <a:extLst>
               <a:ext uri="{FF2B5EF4-FFF2-40B4-BE49-F238E27FC236}">
-                <a16:creationId xmlns:a16="http://schemas.microsoft.com/office/drawing/2014/main" id="{040FBE5A-990D-0ACA-3E7E-EDDE58983B3A}"/>
+                <a16:creationId xmlns:a16="http://schemas.microsoft.com/office/drawing/2014/main" id="{30A335D7-BFCC-4FED-E6C3-E1EFCF31DD6D}"/>
               </a:ext>
             </a:extLst>
           </p:cNvPr>
@@ -856,7 +856,7 @@
           <a:bodyPr/>
           <a:lstStyle/>
           <a:p>
-            <a:fld id="{FD926248-0360-4A98-8F41-F135EC6B0981}" type="datetimeFigureOut">
+            <a:fld id="{412E82DD-57D6-448B-A177-2BDB33D61D9D}" type="datetimeFigureOut">
               <a:rPr lang="zh-CN" altLang="en-US" smtClean="0"/>
               <a:t>2024/3/10</a:t>
             </a:fld>
@@ -869,7 +869,7 @@
           <p:cNvPr id="5" name="页脚占位符 4">
             <a:extLst>
               <a:ext uri="{FF2B5EF4-FFF2-40B4-BE49-F238E27FC236}">
-                <a16:creationId xmlns:a16="http://schemas.microsoft.com/office/drawing/2014/main" id="{B1DBB1E2-6ABB-B873-488B-316C3247D09E}"/>
+                <a16:creationId xmlns:a16="http://schemas.microsoft.com/office/drawing/2014/main" id="{7C6D2294-2169-6246-CD17-ACA59812C00F}"/>
               </a:ext>
             </a:extLst>
           </p:cNvPr>
@@ -894,7 +894,7 @@
           <p:cNvPr id="6" name="灯片编号占位符 5">
             <a:extLst>
               <a:ext uri="{FF2B5EF4-FFF2-40B4-BE49-F238E27FC236}">
-                <a16:creationId xmlns:a16="http://schemas.microsoft.com/office/drawing/2014/main" id="{D8CAA86A-43DC-3DF8-30FB-05C84DBD3562}"/>
+                <a16:creationId xmlns:a16="http://schemas.microsoft.com/office/drawing/2014/main" id="{D0CA9F09-EE46-2C7C-B8D6-04CD1DE7C070}"/>
               </a:ext>
             </a:extLst>
           </p:cNvPr>
@@ -910,7 +910,7 @@
           <a:bodyPr/>
           <a:lstStyle/>
           <a:p>
-            <a:fld id="{D3FD2C8C-ED3E-4F85-92F6-54EDA04D4A29}" type="slidenum">
+            <a:fld id="{67A3AA0E-8722-4F8C-BE55-746A5AE005C3}" type="slidenum">
               <a:rPr lang="zh-CN" altLang="en-US" smtClean="0"/>
               <a:t>‹#›</a:t>
             </a:fld>
@@ -921,7 +921,7 @@
     </p:spTree>
     <p:extLst>
       <p:ext uri="{BB962C8B-B14F-4D97-AF65-F5344CB8AC3E}">
-        <p14:creationId xmlns:p14="http://schemas.microsoft.com/office/powerpoint/2010/main" val="2996456713"/>
+        <p14:creationId xmlns:p14="http://schemas.microsoft.com/office/powerpoint/2010/main" val="780895520"/>
       </p:ext>
     </p:extLst>
   </p:cSld>
@@ -953,7 +953,7 @@
           <p:cNvPr id="2" name="标题 1">
             <a:extLst>
               <a:ext uri="{FF2B5EF4-FFF2-40B4-BE49-F238E27FC236}">
-                <a16:creationId xmlns:a16="http://schemas.microsoft.com/office/drawing/2014/main" id="{FC398D1E-E648-5D2D-14AA-7F8DBB75418E}"/>
+                <a16:creationId xmlns:a16="http://schemas.microsoft.com/office/drawing/2014/main" id="{283F09A9-1C23-1A36-FB7D-12ED6C6C5732}"/>
               </a:ext>
             </a:extLst>
           </p:cNvPr>
@@ -990,7 +990,7 @@
           <p:cNvPr id="3" name="文本占位符 2">
             <a:extLst>
               <a:ext uri="{FF2B5EF4-FFF2-40B4-BE49-F238E27FC236}">
-                <a16:creationId xmlns:a16="http://schemas.microsoft.com/office/drawing/2014/main" id="{8ABB258F-D0DD-FEEC-43E1-E0EEE353B7F0}"/>
+                <a16:creationId xmlns:a16="http://schemas.microsoft.com/office/drawing/2014/main" id="{85C11A86-4C48-65D1-078C-F6DA115C0640}"/>
               </a:ext>
             </a:extLst>
           </p:cNvPr>
@@ -1115,7 +1115,7 @@
           <p:cNvPr id="4" name="日期占位符 3">
             <a:extLst>
               <a:ext uri="{FF2B5EF4-FFF2-40B4-BE49-F238E27FC236}">
-                <a16:creationId xmlns:a16="http://schemas.microsoft.com/office/drawing/2014/main" id="{88B8A747-03D4-B5CB-F5F1-22B8029AAA45}"/>
+                <a16:creationId xmlns:a16="http://schemas.microsoft.com/office/drawing/2014/main" id="{7F1AF954-0C49-C5C3-A47C-12E39000E6CC}"/>
               </a:ext>
             </a:extLst>
           </p:cNvPr>
@@ -1131,7 +1131,7 @@
           <a:bodyPr/>
           <a:lstStyle/>
           <a:p>
-            <a:fld id="{FD926248-0360-4A98-8F41-F135EC6B0981}" type="datetimeFigureOut">
+            <a:fld id="{412E82DD-57D6-448B-A177-2BDB33D61D9D}" type="datetimeFigureOut">
               <a:rPr lang="zh-CN" altLang="en-US" smtClean="0"/>
               <a:t>2024/3/10</a:t>
             </a:fld>
@@ -1144,7 +1144,7 @@
           <p:cNvPr id="5" name="页脚占位符 4">
             <a:extLst>
               <a:ext uri="{FF2B5EF4-FFF2-40B4-BE49-F238E27FC236}">
-                <a16:creationId xmlns:a16="http://schemas.microsoft.com/office/drawing/2014/main" id="{F811E5B7-1E6E-C5D1-5172-FA1127286512}"/>
+                <a16:creationId xmlns:a16="http://schemas.microsoft.com/office/drawing/2014/main" id="{1A65418B-35B2-DCF5-2EF3-B8E529893B22}"/>
               </a:ext>
             </a:extLst>
           </p:cNvPr>
@@ -1169,7 +1169,7 @@
           <p:cNvPr id="6" name="灯片编号占位符 5">
             <a:extLst>
               <a:ext uri="{FF2B5EF4-FFF2-40B4-BE49-F238E27FC236}">
-                <a16:creationId xmlns:a16="http://schemas.microsoft.com/office/drawing/2014/main" id="{B2FEA426-5AAE-7B23-F974-F3E35113575C}"/>
+                <a16:creationId xmlns:a16="http://schemas.microsoft.com/office/drawing/2014/main" id="{44611672-A720-C1FB-EDC5-245F13E4290A}"/>
               </a:ext>
             </a:extLst>
           </p:cNvPr>
@@ -1185,7 +1185,7 @@
           <a:bodyPr/>
           <a:lstStyle/>
           <a:p>
-            <a:fld id="{D3FD2C8C-ED3E-4F85-92F6-54EDA04D4A29}" type="slidenum">
+            <a:fld id="{67A3AA0E-8722-4F8C-BE55-746A5AE005C3}" type="slidenum">
               <a:rPr lang="zh-CN" altLang="en-US" smtClean="0"/>
               <a:t>‹#›</a:t>
             </a:fld>
@@ -1196,7 +1196,7 @@
     </p:spTree>
     <p:extLst>
       <p:ext uri="{BB962C8B-B14F-4D97-AF65-F5344CB8AC3E}">
-        <p14:creationId xmlns:p14="http://schemas.microsoft.com/office/powerpoint/2010/main" val="2153319129"/>
+        <p14:creationId xmlns:p14="http://schemas.microsoft.com/office/powerpoint/2010/main" val="3363349135"/>
       </p:ext>
     </p:extLst>
   </p:cSld>
@@ -1228,7 +1228,7 @@
           <p:cNvPr id="2" name="标题 1">
             <a:extLst>
               <a:ext uri="{FF2B5EF4-FFF2-40B4-BE49-F238E27FC236}">
-                <a16:creationId xmlns:a16="http://schemas.microsoft.com/office/drawing/2014/main" id="{17285AE8-AC91-210D-4616-48638B4C242A}"/>
+                <a16:creationId xmlns:a16="http://schemas.microsoft.com/office/drawing/2014/main" id="{50C4BBEC-E6FA-3830-30A5-54D7171F5726}"/>
               </a:ext>
             </a:extLst>
           </p:cNvPr>
@@ -1256,7 +1256,7 @@
           <p:cNvPr id="3" name="内容占位符 2">
             <a:extLst>
               <a:ext uri="{FF2B5EF4-FFF2-40B4-BE49-F238E27FC236}">
-                <a16:creationId xmlns:a16="http://schemas.microsoft.com/office/drawing/2014/main" id="{9A2043C8-E0DA-FE8A-2B00-3D36E88A0161}"/>
+                <a16:creationId xmlns:a16="http://schemas.microsoft.com/office/drawing/2014/main" id="{4A1E8CA4-425F-CDFB-7FE8-2C5534668348}"/>
               </a:ext>
             </a:extLst>
           </p:cNvPr>
@@ -1318,7 +1318,7 @@
           <p:cNvPr id="4" name="内容占位符 3">
             <a:extLst>
               <a:ext uri="{FF2B5EF4-FFF2-40B4-BE49-F238E27FC236}">
-                <a16:creationId xmlns:a16="http://schemas.microsoft.com/office/drawing/2014/main" id="{DD6A9FCA-A3FE-9C71-7181-B2273D292B84}"/>
+                <a16:creationId xmlns:a16="http://schemas.microsoft.com/office/drawing/2014/main" id="{19B17BA2-E2BB-AB4F-9DF7-2F04E18EED2D}"/>
               </a:ext>
             </a:extLst>
           </p:cNvPr>
@@ -1380,7 +1380,7 @@
           <p:cNvPr id="5" name="日期占位符 4">
             <a:extLst>
               <a:ext uri="{FF2B5EF4-FFF2-40B4-BE49-F238E27FC236}">
-                <a16:creationId xmlns:a16="http://schemas.microsoft.com/office/drawing/2014/main" id="{C7263122-0568-7957-326E-AA85CFD87FDD}"/>
+                <a16:creationId xmlns:a16="http://schemas.microsoft.com/office/drawing/2014/main" id="{99B2B8EC-28C3-77B8-D504-B41269DB7596}"/>
               </a:ext>
             </a:extLst>
           </p:cNvPr>
@@ -1396,7 +1396,7 @@
           <a:bodyPr/>
           <a:lstStyle/>
           <a:p>
-            <a:fld id="{FD926248-0360-4A98-8F41-F135EC6B0981}" type="datetimeFigureOut">
+            <a:fld id="{412E82DD-57D6-448B-A177-2BDB33D61D9D}" type="datetimeFigureOut">
               <a:rPr lang="zh-CN" altLang="en-US" smtClean="0"/>
               <a:t>2024/3/10</a:t>
             </a:fld>
@@ -1409,7 +1409,7 @@
           <p:cNvPr id="6" name="页脚占位符 5">
             <a:extLst>
               <a:ext uri="{FF2B5EF4-FFF2-40B4-BE49-F238E27FC236}">
-                <a16:creationId xmlns:a16="http://schemas.microsoft.com/office/drawing/2014/main" id="{F6CAD28C-1838-B3BC-97A7-AF47A8EA6B6A}"/>
+                <a16:creationId xmlns:a16="http://schemas.microsoft.com/office/drawing/2014/main" id="{07A3B1FE-6AA7-DEF0-3F55-69D48C6C828B}"/>
               </a:ext>
             </a:extLst>
           </p:cNvPr>
@@ -1434,7 +1434,7 @@
           <p:cNvPr id="7" name="灯片编号占位符 6">
             <a:extLst>
               <a:ext uri="{FF2B5EF4-FFF2-40B4-BE49-F238E27FC236}">
-                <a16:creationId xmlns:a16="http://schemas.microsoft.com/office/drawing/2014/main" id="{7DB71E30-1991-C3C8-E9E8-B197976C6267}"/>
+                <a16:creationId xmlns:a16="http://schemas.microsoft.com/office/drawing/2014/main" id="{7DF2F176-6776-9BED-5284-B9034282A040}"/>
               </a:ext>
             </a:extLst>
           </p:cNvPr>
@@ -1450,7 +1450,7 @@
           <a:bodyPr/>
           <a:lstStyle/>
           <a:p>
-            <a:fld id="{D3FD2C8C-ED3E-4F85-92F6-54EDA04D4A29}" type="slidenum">
+            <a:fld id="{67A3AA0E-8722-4F8C-BE55-746A5AE005C3}" type="slidenum">
               <a:rPr lang="zh-CN" altLang="en-US" smtClean="0"/>
               <a:t>‹#›</a:t>
             </a:fld>
@@ -1461,7 +1461,7 @@
     </p:spTree>
     <p:extLst>
       <p:ext uri="{BB962C8B-B14F-4D97-AF65-F5344CB8AC3E}">
-        <p14:creationId xmlns:p14="http://schemas.microsoft.com/office/powerpoint/2010/main" val="1236799990"/>
+        <p14:creationId xmlns:p14="http://schemas.microsoft.com/office/powerpoint/2010/main" val="3081444062"/>
       </p:ext>
     </p:extLst>
   </p:cSld>
@@ -1493,7 +1493,7 @@
           <p:cNvPr id="2" name="标题 1">
             <a:extLst>
               <a:ext uri="{FF2B5EF4-FFF2-40B4-BE49-F238E27FC236}">
-                <a16:creationId xmlns:a16="http://schemas.microsoft.com/office/drawing/2014/main" id="{4BDB3832-59FF-CE5B-A2AC-B0ED14233CBD}"/>
+                <a16:creationId xmlns:a16="http://schemas.microsoft.com/office/drawing/2014/main" id="{C4EADC53-18BA-13E3-E3AB-F12A4432EBB3}"/>
               </a:ext>
             </a:extLst>
           </p:cNvPr>
@@ -1526,7 +1526,7 @@
           <p:cNvPr id="3" name="文本占位符 2">
             <a:extLst>
               <a:ext uri="{FF2B5EF4-FFF2-40B4-BE49-F238E27FC236}">
-                <a16:creationId xmlns:a16="http://schemas.microsoft.com/office/drawing/2014/main" id="{6623A27E-3841-63FB-E2CA-F4031F2B9A5E}"/>
+                <a16:creationId xmlns:a16="http://schemas.microsoft.com/office/drawing/2014/main" id="{8FE727C9-26BB-6A66-D21F-84E9454E731D}"/>
               </a:ext>
             </a:extLst>
           </p:cNvPr>
@@ -1597,7 +1597,7 @@
           <p:cNvPr id="4" name="内容占位符 3">
             <a:extLst>
               <a:ext uri="{FF2B5EF4-FFF2-40B4-BE49-F238E27FC236}">
-                <a16:creationId xmlns:a16="http://schemas.microsoft.com/office/drawing/2014/main" id="{9F2E71B2-3D45-0D1C-638F-B802ABA62A48}"/>
+                <a16:creationId xmlns:a16="http://schemas.microsoft.com/office/drawing/2014/main" id="{4B536922-A1FC-2EF9-78C4-FA429A6EE6D2}"/>
               </a:ext>
             </a:extLst>
           </p:cNvPr>
@@ -1659,7 +1659,7 @@
           <p:cNvPr id="5" name="文本占位符 4">
             <a:extLst>
               <a:ext uri="{FF2B5EF4-FFF2-40B4-BE49-F238E27FC236}">
-                <a16:creationId xmlns:a16="http://schemas.microsoft.com/office/drawing/2014/main" id="{6C57100E-5EF3-9B5F-6544-FE93BECF860F}"/>
+                <a16:creationId xmlns:a16="http://schemas.microsoft.com/office/drawing/2014/main" id="{897B03BE-0D26-F742-4BB3-673B0F42A292}"/>
               </a:ext>
             </a:extLst>
           </p:cNvPr>
@@ -1730,7 +1730,7 @@
           <p:cNvPr id="6" name="内容占位符 5">
             <a:extLst>
               <a:ext uri="{FF2B5EF4-FFF2-40B4-BE49-F238E27FC236}">
-                <a16:creationId xmlns:a16="http://schemas.microsoft.com/office/drawing/2014/main" id="{50421C8F-3EF8-39C8-6D86-E19C6F8C28FA}"/>
+                <a16:creationId xmlns:a16="http://schemas.microsoft.com/office/drawing/2014/main" id="{DC5F6155-8717-EF3B-31F7-B42FEB98A8B7}"/>
               </a:ext>
             </a:extLst>
           </p:cNvPr>
@@ -1792,7 +1792,7 @@
           <p:cNvPr id="7" name="日期占位符 6">
             <a:extLst>
               <a:ext uri="{FF2B5EF4-FFF2-40B4-BE49-F238E27FC236}">
-                <a16:creationId xmlns:a16="http://schemas.microsoft.com/office/drawing/2014/main" id="{5B1436C1-AF13-5818-1AED-CA9A6BADB78E}"/>
+                <a16:creationId xmlns:a16="http://schemas.microsoft.com/office/drawing/2014/main" id="{4CDCBB3A-B559-F315-B1B2-EC6DF3CC0E78}"/>
               </a:ext>
             </a:extLst>
           </p:cNvPr>
@@ -1808,7 +1808,7 @@
           <a:bodyPr/>
           <a:lstStyle/>
           <a:p>
-            <a:fld id="{FD926248-0360-4A98-8F41-F135EC6B0981}" type="datetimeFigureOut">
+            <a:fld id="{412E82DD-57D6-448B-A177-2BDB33D61D9D}" type="datetimeFigureOut">
               <a:rPr lang="zh-CN" altLang="en-US" smtClean="0"/>
               <a:t>2024/3/10</a:t>
             </a:fld>
@@ -1821,7 +1821,7 @@
           <p:cNvPr id="8" name="页脚占位符 7">
             <a:extLst>
               <a:ext uri="{FF2B5EF4-FFF2-40B4-BE49-F238E27FC236}">
-                <a16:creationId xmlns:a16="http://schemas.microsoft.com/office/drawing/2014/main" id="{C34FE410-D6F3-2C77-B0BA-DCF249CA378E}"/>
+                <a16:creationId xmlns:a16="http://schemas.microsoft.com/office/drawing/2014/main" id="{8B4D85FB-2CC8-A083-77A0-747E7F7099F9}"/>
               </a:ext>
             </a:extLst>
           </p:cNvPr>
@@ -1846,7 +1846,7 @@
           <p:cNvPr id="9" name="灯片编号占位符 8">
             <a:extLst>
               <a:ext uri="{FF2B5EF4-FFF2-40B4-BE49-F238E27FC236}">
-                <a16:creationId xmlns:a16="http://schemas.microsoft.com/office/drawing/2014/main" id="{EDCD376B-B938-F88A-53C5-9290462B4425}"/>
+                <a16:creationId xmlns:a16="http://schemas.microsoft.com/office/drawing/2014/main" id="{8DB8E6C7-829B-EE6B-A38F-16BA7AD4C87C}"/>
               </a:ext>
             </a:extLst>
           </p:cNvPr>
@@ -1862,7 +1862,7 @@
           <a:bodyPr/>
           <a:lstStyle/>
           <a:p>
-            <a:fld id="{D3FD2C8C-ED3E-4F85-92F6-54EDA04D4A29}" type="slidenum">
+            <a:fld id="{67A3AA0E-8722-4F8C-BE55-746A5AE005C3}" type="slidenum">
               <a:rPr lang="zh-CN" altLang="en-US" smtClean="0"/>
               <a:t>‹#›</a:t>
             </a:fld>
@@ -1873,7 +1873,7 @@
     </p:spTree>
     <p:extLst>
       <p:ext uri="{BB962C8B-B14F-4D97-AF65-F5344CB8AC3E}">
-        <p14:creationId xmlns:p14="http://schemas.microsoft.com/office/powerpoint/2010/main" val="2441357715"/>
+        <p14:creationId xmlns:p14="http://schemas.microsoft.com/office/powerpoint/2010/main" val="3439761346"/>
       </p:ext>
     </p:extLst>
   </p:cSld>
@@ -1905,7 +1905,7 @@
           <p:cNvPr id="2" name="标题 1">
             <a:extLst>
               <a:ext uri="{FF2B5EF4-FFF2-40B4-BE49-F238E27FC236}">
-                <a16:creationId xmlns:a16="http://schemas.microsoft.com/office/drawing/2014/main" id="{4ED6BA69-D652-73D8-12BD-C8FD548D099E}"/>
+                <a16:creationId xmlns:a16="http://schemas.microsoft.com/office/drawing/2014/main" id="{026AC870-D3F6-63FB-1CCD-7B554C791AD3}"/>
               </a:ext>
             </a:extLst>
           </p:cNvPr>
@@ -1933,7 +1933,7 @@
           <p:cNvPr id="3" name="日期占位符 2">
             <a:extLst>
               <a:ext uri="{FF2B5EF4-FFF2-40B4-BE49-F238E27FC236}">
-                <a16:creationId xmlns:a16="http://schemas.microsoft.com/office/drawing/2014/main" id="{7A3605E3-F400-7AEB-E8F6-3D886A55660A}"/>
+                <a16:creationId xmlns:a16="http://schemas.microsoft.com/office/drawing/2014/main" id="{F3888DF0-A205-35C7-3AA4-6B1A0C3EF06A}"/>
               </a:ext>
             </a:extLst>
           </p:cNvPr>
@@ -1949,7 +1949,7 @@
           <a:bodyPr/>
           <a:lstStyle/>
           <a:p>
-            <a:fld id="{FD926248-0360-4A98-8F41-F135EC6B0981}" type="datetimeFigureOut">
+            <a:fld id="{412E82DD-57D6-448B-A177-2BDB33D61D9D}" type="datetimeFigureOut">
               <a:rPr lang="zh-CN" altLang="en-US" smtClean="0"/>
               <a:t>2024/3/10</a:t>
             </a:fld>
@@ -1962,7 +1962,7 @@
           <p:cNvPr id="4" name="页脚占位符 3">
             <a:extLst>
               <a:ext uri="{FF2B5EF4-FFF2-40B4-BE49-F238E27FC236}">
-                <a16:creationId xmlns:a16="http://schemas.microsoft.com/office/drawing/2014/main" id="{78E0A0AC-FAAC-32AF-5C9D-17EDEC917BA2}"/>
+                <a16:creationId xmlns:a16="http://schemas.microsoft.com/office/drawing/2014/main" id="{8F083EE4-7CB5-2FCB-2125-35C752CC6434}"/>
               </a:ext>
             </a:extLst>
           </p:cNvPr>
@@ -1987,7 +1987,7 @@
           <p:cNvPr id="5" name="灯片编号占位符 4">
             <a:extLst>
               <a:ext uri="{FF2B5EF4-FFF2-40B4-BE49-F238E27FC236}">
-                <a16:creationId xmlns:a16="http://schemas.microsoft.com/office/drawing/2014/main" id="{B5231454-D6E9-E6F7-53C0-93D624D65C22}"/>
+                <a16:creationId xmlns:a16="http://schemas.microsoft.com/office/drawing/2014/main" id="{382D35DF-E671-5283-3199-36CAE6DE25E0}"/>
               </a:ext>
             </a:extLst>
           </p:cNvPr>
@@ -2003,7 +2003,7 @@
           <a:bodyPr/>
           <a:lstStyle/>
           <a:p>
-            <a:fld id="{D3FD2C8C-ED3E-4F85-92F6-54EDA04D4A29}" type="slidenum">
+            <a:fld id="{67A3AA0E-8722-4F8C-BE55-746A5AE005C3}" type="slidenum">
               <a:rPr lang="zh-CN" altLang="en-US" smtClean="0"/>
               <a:t>‹#›</a:t>
             </a:fld>
@@ -2014,7 +2014,7 @@
     </p:spTree>
     <p:extLst>
       <p:ext uri="{BB962C8B-B14F-4D97-AF65-F5344CB8AC3E}">
-        <p14:creationId xmlns:p14="http://schemas.microsoft.com/office/powerpoint/2010/main" val="3763479703"/>
+        <p14:creationId xmlns:p14="http://schemas.microsoft.com/office/powerpoint/2010/main" val="468727725"/>
       </p:ext>
     </p:extLst>
   </p:cSld>
@@ -2046,7 +2046,7 @@
           <p:cNvPr id="2" name="日期占位符 1">
             <a:extLst>
               <a:ext uri="{FF2B5EF4-FFF2-40B4-BE49-F238E27FC236}">
-                <a16:creationId xmlns:a16="http://schemas.microsoft.com/office/drawing/2014/main" id="{F0E448C1-1E17-385A-79B7-8B254157B5F1}"/>
+                <a16:creationId xmlns:a16="http://schemas.microsoft.com/office/drawing/2014/main" id="{BFC94926-3DF3-6A44-B116-C1CCB4E73462}"/>
               </a:ext>
             </a:extLst>
           </p:cNvPr>
@@ -2062,7 +2062,7 @@
           <a:bodyPr/>
           <a:lstStyle/>
           <a:p>
-            <a:fld id="{FD926248-0360-4A98-8F41-F135EC6B0981}" type="datetimeFigureOut">
+            <a:fld id="{412E82DD-57D6-448B-A177-2BDB33D61D9D}" type="datetimeFigureOut">
               <a:rPr lang="zh-CN" altLang="en-US" smtClean="0"/>
               <a:t>2024/3/10</a:t>
             </a:fld>
@@ -2075,7 +2075,7 @@
           <p:cNvPr id="3" name="页脚占位符 2">
             <a:extLst>
               <a:ext uri="{FF2B5EF4-FFF2-40B4-BE49-F238E27FC236}">
-                <a16:creationId xmlns:a16="http://schemas.microsoft.com/office/drawing/2014/main" id="{717D75A8-E614-4C87-7AF5-B9FAB0F8E80B}"/>
+                <a16:creationId xmlns:a16="http://schemas.microsoft.com/office/drawing/2014/main" id="{3222ABA3-7B9B-BACD-5745-4007EA472278}"/>
               </a:ext>
             </a:extLst>
           </p:cNvPr>
@@ -2100,7 +2100,7 @@
           <p:cNvPr id="4" name="灯片编号占位符 3">
             <a:extLst>
               <a:ext uri="{FF2B5EF4-FFF2-40B4-BE49-F238E27FC236}">
-                <a16:creationId xmlns:a16="http://schemas.microsoft.com/office/drawing/2014/main" id="{4EAFAFAE-80BF-6821-5E66-A298F78BA495}"/>
+                <a16:creationId xmlns:a16="http://schemas.microsoft.com/office/drawing/2014/main" id="{A6923CB5-7D24-A9D9-B02D-E7ADD5397CE5}"/>
               </a:ext>
             </a:extLst>
           </p:cNvPr>
@@ -2116,7 +2116,7 @@
           <a:bodyPr/>
           <a:lstStyle/>
           <a:p>
-            <a:fld id="{D3FD2C8C-ED3E-4F85-92F6-54EDA04D4A29}" type="slidenum">
+            <a:fld id="{67A3AA0E-8722-4F8C-BE55-746A5AE005C3}" type="slidenum">
               <a:rPr lang="zh-CN" altLang="en-US" smtClean="0"/>
               <a:t>‹#›</a:t>
             </a:fld>
@@ -2127,7 +2127,7 @@
     </p:spTree>
     <p:extLst>
       <p:ext uri="{BB962C8B-B14F-4D97-AF65-F5344CB8AC3E}">
-        <p14:creationId xmlns:p14="http://schemas.microsoft.com/office/powerpoint/2010/main" val="4084070967"/>
+        <p14:creationId xmlns:p14="http://schemas.microsoft.com/office/powerpoint/2010/main" val="2332499471"/>
       </p:ext>
     </p:extLst>
   </p:cSld>
@@ -2159,7 +2159,7 @@
           <p:cNvPr id="2" name="标题 1">
             <a:extLst>
               <a:ext uri="{FF2B5EF4-FFF2-40B4-BE49-F238E27FC236}">
-                <a16:creationId xmlns:a16="http://schemas.microsoft.com/office/drawing/2014/main" id="{56438694-CA53-4A24-D09A-4A09015EB200}"/>
+                <a16:creationId xmlns:a16="http://schemas.microsoft.com/office/drawing/2014/main" id="{4D894C9E-14FB-CF07-01BD-AFFE10751085}"/>
               </a:ext>
             </a:extLst>
           </p:cNvPr>
@@ -2196,7 +2196,7 @@
           <p:cNvPr id="3" name="内容占位符 2">
             <a:extLst>
               <a:ext uri="{FF2B5EF4-FFF2-40B4-BE49-F238E27FC236}">
-                <a16:creationId xmlns:a16="http://schemas.microsoft.com/office/drawing/2014/main" id="{6B79F2C0-EDF9-BD3E-17B7-3063E6391122}"/>
+                <a16:creationId xmlns:a16="http://schemas.microsoft.com/office/drawing/2014/main" id="{7707AF57-CA73-2782-416E-38EA0CF7F100}"/>
               </a:ext>
             </a:extLst>
           </p:cNvPr>
@@ -2286,7 +2286,7 @@
           <p:cNvPr id="4" name="文本占位符 3">
             <a:extLst>
               <a:ext uri="{FF2B5EF4-FFF2-40B4-BE49-F238E27FC236}">
-                <a16:creationId xmlns:a16="http://schemas.microsoft.com/office/drawing/2014/main" id="{1FC3AFAD-41C7-A2B2-ED81-39EEDAC9DC38}"/>
+                <a16:creationId xmlns:a16="http://schemas.microsoft.com/office/drawing/2014/main" id="{E978F5DD-C14F-6960-7F04-F85E25440B56}"/>
               </a:ext>
             </a:extLst>
           </p:cNvPr>
@@ -2357,7 +2357,7 @@
           <p:cNvPr id="5" name="日期占位符 4">
             <a:extLst>
               <a:ext uri="{FF2B5EF4-FFF2-40B4-BE49-F238E27FC236}">
-                <a16:creationId xmlns:a16="http://schemas.microsoft.com/office/drawing/2014/main" id="{C790AE2E-37F2-6460-B01D-F2213564E6D8}"/>
+                <a16:creationId xmlns:a16="http://schemas.microsoft.com/office/drawing/2014/main" id="{31814D7E-E8A3-9FB3-1791-79DD457F4E02}"/>
               </a:ext>
             </a:extLst>
           </p:cNvPr>
@@ -2373,7 +2373,7 @@
           <a:bodyPr/>
           <a:lstStyle/>
           <a:p>
-            <a:fld id="{FD926248-0360-4A98-8F41-F135EC6B0981}" type="datetimeFigureOut">
+            <a:fld id="{412E82DD-57D6-448B-A177-2BDB33D61D9D}" type="datetimeFigureOut">
               <a:rPr lang="zh-CN" altLang="en-US" smtClean="0"/>
               <a:t>2024/3/10</a:t>
             </a:fld>
@@ -2386,7 +2386,7 @@
           <p:cNvPr id="6" name="页脚占位符 5">
             <a:extLst>
               <a:ext uri="{FF2B5EF4-FFF2-40B4-BE49-F238E27FC236}">
-                <a16:creationId xmlns:a16="http://schemas.microsoft.com/office/drawing/2014/main" id="{358B3380-17CA-8131-C797-EAF51322E1AE}"/>
+                <a16:creationId xmlns:a16="http://schemas.microsoft.com/office/drawing/2014/main" id="{1AF80C07-228E-DD05-D5B7-0A3D6B5513B1}"/>
               </a:ext>
             </a:extLst>
           </p:cNvPr>
@@ -2411,7 +2411,7 @@
           <p:cNvPr id="7" name="灯片编号占位符 6">
             <a:extLst>
               <a:ext uri="{FF2B5EF4-FFF2-40B4-BE49-F238E27FC236}">
-                <a16:creationId xmlns:a16="http://schemas.microsoft.com/office/drawing/2014/main" id="{9D9C8DC2-B94B-ABDC-09B2-2327A0F2ED4C}"/>
+                <a16:creationId xmlns:a16="http://schemas.microsoft.com/office/drawing/2014/main" id="{05A594BA-CB87-E3EA-977A-4D49203A98DA}"/>
               </a:ext>
             </a:extLst>
           </p:cNvPr>
@@ -2427,7 +2427,7 @@
           <a:bodyPr/>
           <a:lstStyle/>
           <a:p>
-            <a:fld id="{D3FD2C8C-ED3E-4F85-92F6-54EDA04D4A29}" type="slidenum">
+            <a:fld id="{67A3AA0E-8722-4F8C-BE55-746A5AE005C3}" type="slidenum">
               <a:rPr lang="zh-CN" altLang="en-US" smtClean="0"/>
               <a:t>‹#›</a:t>
             </a:fld>
@@ -2438,7 +2438,7 @@
     </p:spTree>
     <p:extLst>
       <p:ext uri="{BB962C8B-B14F-4D97-AF65-F5344CB8AC3E}">
-        <p14:creationId xmlns:p14="http://schemas.microsoft.com/office/powerpoint/2010/main" val="2259967874"/>
+        <p14:creationId xmlns:p14="http://schemas.microsoft.com/office/powerpoint/2010/main" val="2371819244"/>
       </p:ext>
     </p:extLst>
   </p:cSld>
@@ -2470,7 +2470,7 @@
           <p:cNvPr id="2" name="标题 1">
             <a:extLst>
               <a:ext uri="{FF2B5EF4-FFF2-40B4-BE49-F238E27FC236}">
-                <a16:creationId xmlns:a16="http://schemas.microsoft.com/office/drawing/2014/main" id="{A2E0F18C-7AA5-1A69-4644-459379B98473}"/>
+                <a16:creationId xmlns:a16="http://schemas.microsoft.com/office/drawing/2014/main" id="{4CE95F6A-BA29-5569-412D-F07B5849DBB0}"/>
               </a:ext>
             </a:extLst>
           </p:cNvPr>
@@ -2507,7 +2507,7 @@
           <p:cNvPr id="3" name="图片占位符 2">
             <a:extLst>
               <a:ext uri="{FF2B5EF4-FFF2-40B4-BE49-F238E27FC236}">
-                <a16:creationId xmlns:a16="http://schemas.microsoft.com/office/drawing/2014/main" id="{F502E1FF-5D9C-FCFB-A7DF-387C3EA7C44F}"/>
+                <a16:creationId xmlns:a16="http://schemas.microsoft.com/office/drawing/2014/main" id="{C84FBC71-D1C2-C109-C6BB-190F337461FA}"/>
               </a:ext>
             </a:extLst>
           </p:cNvPr>
@@ -2574,7 +2574,7 @@
           <p:cNvPr id="4" name="文本占位符 3">
             <a:extLst>
               <a:ext uri="{FF2B5EF4-FFF2-40B4-BE49-F238E27FC236}">
-                <a16:creationId xmlns:a16="http://schemas.microsoft.com/office/drawing/2014/main" id="{AC8E4421-9266-4D06-996C-3401BDC4F8C2}"/>
+                <a16:creationId xmlns:a16="http://schemas.microsoft.com/office/drawing/2014/main" id="{8ECCCD44-2BFD-B392-F774-547AF4BD89D1}"/>
               </a:ext>
             </a:extLst>
           </p:cNvPr>
@@ -2645,7 +2645,7 @@
           <p:cNvPr id="5" name="日期占位符 4">
             <a:extLst>
               <a:ext uri="{FF2B5EF4-FFF2-40B4-BE49-F238E27FC236}">
-                <a16:creationId xmlns:a16="http://schemas.microsoft.com/office/drawing/2014/main" id="{92AAFF24-F33D-82A8-F9A8-5F21A7FAC9EC}"/>
+                <a16:creationId xmlns:a16="http://schemas.microsoft.com/office/drawing/2014/main" id="{20E7470C-1059-7F48-29A2-E5ED0A0AE41A}"/>
               </a:ext>
             </a:extLst>
           </p:cNvPr>
@@ -2661,7 +2661,7 @@
           <a:bodyPr/>
           <a:lstStyle/>
           <a:p>
-            <a:fld id="{FD926248-0360-4A98-8F41-F135EC6B0981}" type="datetimeFigureOut">
+            <a:fld id="{412E82DD-57D6-448B-A177-2BDB33D61D9D}" type="datetimeFigureOut">
               <a:rPr lang="zh-CN" altLang="en-US" smtClean="0"/>
               <a:t>2024/3/10</a:t>
             </a:fld>
@@ -2674,7 +2674,7 @@
           <p:cNvPr id="6" name="页脚占位符 5">
             <a:extLst>
               <a:ext uri="{FF2B5EF4-FFF2-40B4-BE49-F238E27FC236}">
-                <a16:creationId xmlns:a16="http://schemas.microsoft.com/office/drawing/2014/main" id="{5CC5CCDE-2FA8-DFB6-3FFE-387A6AFF3A51}"/>
+                <a16:creationId xmlns:a16="http://schemas.microsoft.com/office/drawing/2014/main" id="{44898D73-E1F1-06C5-2D12-1ABCB7A5D536}"/>
               </a:ext>
             </a:extLst>
           </p:cNvPr>
@@ -2699,7 +2699,7 @@
           <p:cNvPr id="7" name="灯片编号占位符 6">
             <a:extLst>
               <a:ext uri="{FF2B5EF4-FFF2-40B4-BE49-F238E27FC236}">
-                <a16:creationId xmlns:a16="http://schemas.microsoft.com/office/drawing/2014/main" id="{4C75FC95-FB6B-3E37-E3BC-46CDB4221025}"/>
+                <a16:creationId xmlns:a16="http://schemas.microsoft.com/office/drawing/2014/main" id="{B6CB58BC-F25E-6A30-BC97-FA4E2F7A2FA6}"/>
               </a:ext>
             </a:extLst>
           </p:cNvPr>
@@ -2715,7 +2715,7 @@
           <a:bodyPr/>
           <a:lstStyle/>
           <a:p>
-            <a:fld id="{D3FD2C8C-ED3E-4F85-92F6-54EDA04D4A29}" type="slidenum">
+            <a:fld id="{67A3AA0E-8722-4F8C-BE55-746A5AE005C3}" type="slidenum">
               <a:rPr lang="zh-CN" altLang="en-US" smtClean="0"/>
               <a:t>‹#›</a:t>
             </a:fld>
@@ -2726,7 +2726,7 @@
     </p:spTree>
     <p:extLst>
       <p:ext uri="{BB962C8B-B14F-4D97-AF65-F5344CB8AC3E}">
-        <p14:creationId xmlns:p14="http://schemas.microsoft.com/office/powerpoint/2010/main" val="2940720214"/>
+        <p14:creationId xmlns:p14="http://schemas.microsoft.com/office/powerpoint/2010/main" val="32764616"/>
       </p:ext>
     </p:extLst>
   </p:cSld>
@@ -2763,7 +2763,7 @@
           <p:cNvPr id="2" name="标题占位符 1">
             <a:extLst>
               <a:ext uri="{FF2B5EF4-FFF2-40B4-BE49-F238E27FC236}">
-                <a16:creationId xmlns:a16="http://schemas.microsoft.com/office/drawing/2014/main" id="{2EA18681-83BA-49AC-84AE-B9E5EF89D224}"/>
+                <a16:creationId xmlns:a16="http://schemas.microsoft.com/office/drawing/2014/main" id="{4851CA8F-280D-45E5-B454-72A302DCDFE3}"/>
               </a:ext>
             </a:extLst>
           </p:cNvPr>
@@ -2801,7 +2801,7 @@
           <p:cNvPr id="3" name="文本占位符 2">
             <a:extLst>
               <a:ext uri="{FF2B5EF4-FFF2-40B4-BE49-F238E27FC236}">
-                <a16:creationId xmlns:a16="http://schemas.microsoft.com/office/drawing/2014/main" id="{58E87B48-8D9D-BB18-FB48-F083BEB4F22F}"/>
+                <a16:creationId xmlns:a16="http://schemas.microsoft.com/office/drawing/2014/main" id="{83F1AB03-89C5-09C7-B4FE-A392013EA87D}"/>
               </a:ext>
             </a:extLst>
           </p:cNvPr>
@@ -2868,7 +2868,7 @@
           <p:cNvPr id="4" name="日期占位符 3">
             <a:extLst>
               <a:ext uri="{FF2B5EF4-FFF2-40B4-BE49-F238E27FC236}">
-                <a16:creationId xmlns:a16="http://schemas.microsoft.com/office/drawing/2014/main" id="{8981D6CA-F00F-2A92-6AB4-132991E49DAD}"/>
+                <a16:creationId xmlns:a16="http://schemas.microsoft.com/office/drawing/2014/main" id="{67F691F6-1F64-E294-54E5-DFBD543420F0}"/>
               </a:ext>
             </a:extLst>
           </p:cNvPr>
@@ -2902,7 +2902,7 @@
             </a:lvl1pPr>
           </a:lstStyle>
           <a:p>
-            <a:fld id="{FD926248-0360-4A98-8F41-F135EC6B0981}" type="datetimeFigureOut">
+            <a:fld id="{412E82DD-57D6-448B-A177-2BDB33D61D9D}" type="datetimeFigureOut">
               <a:rPr lang="zh-CN" altLang="en-US" smtClean="0"/>
               <a:t>2024/3/10</a:t>
             </a:fld>
@@ -2915,7 +2915,7 @@
           <p:cNvPr id="5" name="页脚占位符 4">
             <a:extLst>
               <a:ext uri="{FF2B5EF4-FFF2-40B4-BE49-F238E27FC236}">
-                <a16:creationId xmlns:a16="http://schemas.microsoft.com/office/drawing/2014/main" id="{A9E5F668-3923-E3D6-9B7A-E88A55F2450C}"/>
+                <a16:creationId xmlns:a16="http://schemas.microsoft.com/office/drawing/2014/main" id="{61756AD5-6F08-2284-B353-ADF143822512}"/>
               </a:ext>
             </a:extLst>
           </p:cNvPr>
@@ -2958,7 +2958,7 @@
           <p:cNvPr id="6" name="灯片编号占位符 5">
             <a:extLst>
               <a:ext uri="{FF2B5EF4-FFF2-40B4-BE49-F238E27FC236}">
-                <a16:creationId xmlns:a16="http://schemas.microsoft.com/office/drawing/2014/main" id="{019C3D15-D9B8-1FC0-3063-11CE057CCBFC}"/>
+                <a16:creationId xmlns:a16="http://schemas.microsoft.com/office/drawing/2014/main" id="{C1502D28-36E7-64AB-80C8-229D9CC71010}"/>
               </a:ext>
             </a:extLst>
           </p:cNvPr>
@@ -2992,7 +2992,7 @@
             </a:lvl1pPr>
           </a:lstStyle>
           <a:p>
-            <a:fld id="{D3FD2C8C-ED3E-4F85-92F6-54EDA04D4A29}" type="slidenum">
+            <a:fld id="{67A3AA0E-8722-4F8C-BE55-746A5AE005C3}" type="slidenum">
               <a:rPr lang="zh-CN" altLang="en-US" smtClean="0"/>
               <a:t>‹#›</a:t>
             </a:fld>
@@ -3003,7 +3003,7 @@
     </p:spTree>
     <p:extLst>
       <p:ext uri="{BB962C8B-B14F-4D97-AF65-F5344CB8AC3E}">
-        <p14:creationId xmlns:p14="http://schemas.microsoft.com/office/powerpoint/2010/main" val="3324745380"/>
+        <p14:creationId xmlns:p14="http://schemas.microsoft.com/office/powerpoint/2010/main" val="2156051056"/>
       </p:ext>
     </p:extLst>
   </p:cSld>
